--- a/Lecture/Modeling 5/Modeling_5_Lecture.pptx
+++ b/Lecture/Modeling 5/Modeling_5_Lecture.pptx
@@ -312,7 +312,7 @@
               <a:pPr>
                 <a:defRPr/>
               </a:pPr>
-              <a:t>3/23/2019</a:t>
+              <a:t>4/5/2023</a:t>
             </a:fld>
             <a:endParaRPr lang="en-US" dirty="0"/>
           </a:p>
@@ -524,7 +524,7 @@
               <a:pPr>
                 <a:defRPr/>
               </a:pPr>
-              <a:t>3/23/2019</a:t>
+              <a:t>4/5/2023</a:t>
             </a:fld>
             <a:endParaRPr lang="en-US" dirty="0"/>
           </a:p>
@@ -1043,7 +1043,7 @@
               <a:pPr>
                 <a:defRPr/>
               </a:pPr>
-              <a:t>3/23/2019</a:t>
+              <a:t>4/5/2023</a:t>
             </a:fld>
             <a:endParaRPr lang="en-US" dirty="0"/>
           </a:p>
@@ -1233,7 +1233,7 @@
               <a:pPr>
                 <a:defRPr/>
               </a:pPr>
-              <a:t>3/23/2019</a:t>
+              <a:t>4/5/2023</a:t>
             </a:fld>
             <a:endParaRPr lang="en-US" dirty="0"/>
           </a:p>
@@ -1433,7 +1433,7 @@
               <a:pPr>
                 <a:defRPr/>
               </a:pPr>
-              <a:t>3/23/2019</a:t>
+              <a:t>4/5/2023</a:t>
             </a:fld>
             <a:endParaRPr lang="en-US" dirty="0"/>
           </a:p>
@@ -1701,7 +1701,7 @@
               <a:pPr>
                 <a:defRPr/>
               </a:pPr>
-              <a:t>3/23/2019</a:t>
+              <a:t>4/5/2023</a:t>
             </a:fld>
             <a:endParaRPr lang="en-US" dirty="0">
               <a:solidFill>
@@ -1915,7 +1915,7 @@
               <a:pPr>
                 <a:defRPr/>
               </a:pPr>
-              <a:t>3/23/2019</a:t>
+              <a:t>4/5/2023</a:t>
             </a:fld>
             <a:endParaRPr lang="en-US" dirty="0">
               <a:solidFill>
@@ -2206,7 +2206,7 @@
               <a:pPr>
                 <a:defRPr/>
               </a:pPr>
-              <a:t>3/23/2019</a:t>
+              <a:t>4/5/2023</a:t>
             </a:fld>
             <a:endParaRPr lang="en-US" dirty="0">
               <a:solidFill>
@@ -2537,7 +2537,7 @@
               <a:pPr>
                 <a:defRPr/>
               </a:pPr>
-              <a:t>3/23/2019</a:t>
+              <a:t>4/5/2023</a:t>
             </a:fld>
             <a:endParaRPr lang="en-US" dirty="0">
               <a:solidFill>
@@ -3002,7 +3002,7 @@
               <a:pPr>
                 <a:defRPr/>
               </a:pPr>
-              <a:t>3/23/2019</a:t>
+              <a:t>4/5/2023</a:t>
             </a:fld>
             <a:endParaRPr lang="en-US" dirty="0">
               <a:solidFill>
@@ -3165,7 +3165,7 @@
               <a:pPr>
                 <a:defRPr/>
               </a:pPr>
-              <a:t>3/23/2019</a:t>
+              <a:t>4/5/2023</a:t>
             </a:fld>
             <a:endParaRPr lang="en-US" dirty="0">
               <a:solidFill>
@@ -3306,7 +3306,7 @@
               <a:pPr>
                 <a:defRPr/>
               </a:pPr>
-              <a:t>3/23/2019</a:t>
+              <a:t>4/5/2023</a:t>
             </a:fld>
             <a:endParaRPr lang="en-US" dirty="0">
               <a:solidFill>
@@ -3627,7 +3627,7 @@
               <a:pPr>
                 <a:defRPr/>
               </a:pPr>
-              <a:t>3/23/2019</a:t>
+              <a:t>4/5/2023</a:t>
             </a:fld>
             <a:endParaRPr lang="en-US" dirty="0">
               <a:solidFill>
@@ -3835,7 +3835,7 @@
               <a:pPr>
                 <a:defRPr/>
               </a:pPr>
-              <a:t>3/23/2019</a:t>
+              <a:t>4/5/2023</a:t>
             </a:fld>
             <a:endParaRPr lang="en-US" dirty="0"/>
           </a:p>
@@ -4118,7 +4118,7 @@
               <a:pPr>
                 <a:defRPr/>
               </a:pPr>
-              <a:t>3/23/2019</a:t>
+              <a:t>4/5/2023</a:t>
             </a:fld>
             <a:endParaRPr lang="en-US" dirty="0">
               <a:solidFill>
@@ -4332,7 +4332,7 @@
               <a:pPr>
                 <a:defRPr/>
               </a:pPr>
-              <a:t>3/23/2019</a:t>
+              <a:t>4/5/2023</a:t>
             </a:fld>
             <a:endParaRPr lang="en-US" dirty="0">
               <a:solidFill>
@@ -4556,7 +4556,7 @@
               <a:pPr>
                 <a:defRPr/>
               </a:pPr>
-              <a:t>3/23/2019</a:t>
+              <a:t>4/5/2023</a:t>
             </a:fld>
             <a:endParaRPr lang="en-US" dirty="0">
               <a:solidFill>
@@ -4766,7 +4766,7 @@
               <a:pPr>
                 <a:defRPr/>
               </a:pPr>
-              <a:t>3/23/2019</a:t>
+              <a:t>4/5/2023</a:t>
             </a:fld>
             <a:endParaRPr lang="en-US" dirty="0">
               <a:solidFill>
@@ -5043,7 +5043,7 @@
               <a:pPr>
                 <a:defRPr/>
               </a:pPr>
-              <a:t>3/23/2019</a:t>
+              <a:t>4/5/2023</a:t>
             </a:fld>
             <a:endParaRPr lang="en-US" dirty="0"/>
           </a:p>
@@ -5350,7 +5350,7 @@
               <a:pPr>
                 <a:defRPr/>
               </a:pPr>
-              <a:t>3/23/2019</a:t>
+              <a:t>4/5/2023</a:t>
             </a:fld>
             <a:endParaRPr lang="en-US" dirty="0"/>
           </a:p>
@@ -5791,7 +5791,7 @@
               <a:pPr>
                 <a:defRPr/>
               </a:pPr>
-              <a:t>3/23/2019</a:t>
+              <a:t>4/5/2023</a:t>
             </a:fld>
             <a:endParaRPr lang="en-US" dirty="0"/>
           </a:p>
@@ -5930,7 +5930,7 @@
               <a:pPr>
                 <a:defRPr/>
               </a:pPr>
-              <a:t>3/23/2019</a:t>
+              <a:t>4/5/2023</a:t>
             </a:fld>
             <a:endParaRPr lang="en-US" dirty="0"/>
           </a:p>
@@ -6047,7 +6047,7 @@
               <a:pPr>
                 <a:defRPr/>
               </a:pPr>
-              <a:t>3/23/2019</a:t>
+              <a:t>4/5/2023</a:t>
             </a:fld>
             <a:endParaRPr lang="en-US" dirty="0"/>
           </a:p>
@@ -6344,7 +6344,7 @@
               <a:pPr>
                 <a:defRPr/>
               </a:pPr>
-              <a:t>3/23/2019</a:t>
+              <a:t>4/5/2023</a:t>
             </a:fld>
             <a:endParaRPr lang="en-US" dirty="0"/>
           </a:p>
@@ -6621,7 +6621,7 @@
               <a:pPr>
                 <a:defRPr/>
               </a:pPr>
-              <a:t>3/23/2019</a:t>
+              <a:t>4/5/2023</a:t>
             </a:fld>
             <a:endParaRPr lang="en-US" dirty="0"/>
           </a:p>
@@ -6878,7 +6878,7 @@
               <a:pPr>
                 <a:defRPr/>
               </a:pPr>
-              <a:t>3/23/2019</a:t>
+              <a:t>4/5/2023</a:t>
             </a:fld>
             <a:endParaRPr lang="en-US" dirty="0"/>
           </a:p>
@@ -7588,7 +7588,7 @@
               <a:pPr>
                 <a:defRPr/>
               </a:pPr>
-              <a:t>3/23/2019</a:t>
+              <a:t>4/5/2023</a:t>
             </a:fld>
             <a:endParaRPr lang="en-US" dirty="0">
               <a:solidFill>
@@ -13471,6 +13471,58 @@
           </a:fontRef>
         </p:style>
       </p:pic>
+      <p:pic>
+        <p:nvPicPr>
+          <p:cNvPr id="1026" name="Picture 2" descr="An Iris Sepal (or Petal) | After last night's rainstorm | Flickr">
+            <a:extLst>
+              <a:ext uri="{FF2B5EF4-FFF2-40B4-BE49-F238E27FC236}">
+                <a16:creationId xmlns:a16="http://schemas.microsoft.com/office/drawing/2014/main" id="{4A12F248-F6E2-DC7C-B67A-4836C1679239}"/>
+              </a:ext>
+            </a:extLst>
+          </p:cNvPr>
+          <p:cNvPicPr>
+            <a:picLocks noChangeAspect="1" noChangeArrowheads="1"/>
+          </p:cNvPicPr>
+          <p:nvPr/>
+        </p:nvPicPr>
+        <p:blipFill>
+          <a:blip r:embed="rId5">
+            <a:extLst>
+              <a:ext uri="{28A0092B-C50C-407E-A947-70E740481C1C}">
+                <a14:useLocalDpi xmlns:a14="http://schemas.microsoft.com/office/drawing/2010/main" val="0"/>
+              </a:ext>
+            </a:extLst>
+          </a:blip>
+          <a:srcRect/>
+          <a:stretch>
+            <a:fillRect/>
+          </a:stretch>
+        </p:blipFill>
+        <p:spPr bwMode="auto">
+          <a:xfrm>
+            <a:off x="6997486" y="4419600"/>
+            <a:ext cx="2057400" cy="2221992"/>
+          </a:xfrm>
+          <a:prstGeom prst="rect">
+            <a:avLst/>
+          </a:prstGeom>
+          <a:noFill/>
+          <a:ln w="28575">
+            <a:solidFill>
+              <a:srgbClr val="404040"/>
+            </a:solidFill>
+          </a:ln>
+          <a:extLst>
+            <a:ext uri="{909E8E84-426E-40DD-AFC4-6F175D3DCCD1}">
+              <a14:hiddenFill xmlns:a14="http://schemas.microsoft.com/office/drawing/2010/main">
+                <a:solidFill>
+                  <a:srgbClr val="FFFFFF"/>
+                </a:solidFill>
+              </a14:hiddenFill>
+            </a:ext>
+          </a:extLst>
+        </p:spPr>
+      </p:pic>
     </p:spTree>
     <p:custDataLst>
       <p:tags r:id="rId1"/>
@@ -18905,8 +18957,8 @@
           <a:noFill/>
         </p:spPr>
       </p:pic>
-      <mc:AlternateContent xmlns:mc="http://schemas.openxmlformats.org/markup-compatibility/2006">
-        <mc:Choice xmlns:a14="http://schemas.microsoft.com/office/drawing/2010/main" Requires="a14">
+      <mc:AlternateContent xmlns:mc="http://schemas.openxmlformats.org/markup-compatibility/2006" xmlns:a14="http://schemas.microsoft.com/office/drawing/2010/main">
+        <mc:Choice Requires="a14">
           <p:sp>
             <p:nvSpPr>
               <p:cNvPr id="6" name="TextBox 5">
@@ -19151,7 +19203,7 @@
             </p:txBody>
           </p:sp>
         </mc:Choice>
-        <mc:Fallback>
+        <mc:Fallback xmlns="">
           <p:sp>
             <p:nvSpPr>
               <p:cNvPr id="6" name="TextBox 5">
@@ -19764,8 +19816,8 @@
           <a:noFill/>
         </p:spPr>
       </p:pic>
-      <mc:AlternateContent xmlns:mc="http://schemas.openxmlformats.org/markup-compatibility/2006">
-        <mc:Choice xmlns:a14="http://schemas.microsoft.com/office/drawing/2010/main" Requires="a14">
+      <mc:AlternateContent xmlns:mc="http://schemas.openxmlformats.org/markup-compatibility/2006" xmlns:a14="http://schemas.microsoft.com/office/drawing/2010/main">
+        <mc:Choice Requires="a14">
           <p:sp>
             <p:nvSpPr>
               <p:cNvPr id="6" name="TextBox 5">
@@ -20311,7 +20363,7 @@
             </p:txBody>
           </p:sp>
         </mc:Choice>
-        <mc:Fallback>
+        <mc:Fallback xmlns="">
           <p:sp>
             <p:nvSpPr>
               <p:cNvPr id="6" name="TextBox 5">
